--- a/Presentaciones/SmartCampus.pptx
+++ b/Presentaciones/SmartCampus.pptx
@@ -5,7 +5,7 @@
     <p:sldMasterId id="2147483648" r:id="rId1"/>
   </p:sldMasterIdLst>
   <p:notesMasterIdLst>
-    <p:notesMasterId r:id="rId16"/>
+    <p:notesMasterId r:id="rId17"/>
   </p:notesMasterIdLst>
   <p:sldIdLst>
     <p:sldId id="256" r:id="rId2"/>
@@ -17,11 +17,12 @@
     <p:sldId id="285" r:id="rId8"/>
     <p:sldId id="287" r:id="rId9"/>
     <p:sldId id="288" r:id="rId10"/>
-    <p:sldId id="289" r:id="rId11"/>
-    <p:sldId id="279" r:id="rId12"/>
-    <p:sldId id="286" r:id="rId13"/>
-    <p:sldId id="290" r:id="rId14"/>
-    <p:sldId id="291" r:id="rId15"/>
+    <p:sldId id="293" r:id="rId11"/>
+    <p:sldId id="289" r:id="rId12"/>
+    <p:sldId id="279" r:id="rId13"/>
+    <p:sldId id="286" r:id="rId14"/>
+    <p:sldId id="290" r:id="rId15"/>
+    <p:sldId id="291" r:id="rId16"/>
   </p:sldIdLst>
   <p:sldSz cx="9144000" cy="6858000" type="screen4x3"/>
   <p:notesSz cx="6858000" cy="9144000"/>
@@ -150,6 +151,22 @@
       </a:defRPr>
     </a:lvl9pPr>
   </p:defaultTextStyle>
+  <p:extLst>
+    <p:ext uri="{EFAFB233-063F-42B5-8137-9DF3F51BA10A}">
+      <p15:sldGuideLst xmlns:p15="http://schemas.microsoft.com/office/powerpoint/2012/main">
+        <p15:guide id="1" orient="horz" pos="2160">
+          <p15:clr>
+            <a:srgbClr val="A4A3A4"/>
+          </p15:clr>
+        </p15:guide>
+        <p15:guide id="2" pos="2880">
+          <p15:clr>
+            <a:srgbClr val="A4A3A4"/>
+          </p15:clr>
+        </p15:guide>
+      </p15:sldGuideLst>
+    </p:ext>
+  </p:extLst>
 </p:presentation>
 </file>
 
@@ -450,13 +467,18 @@
             <a:fld id="{D8DBC2EF-8BCA-49DA-B387-DFEAACF1B233}" type="slidenum">
               <a:rPr lang="en-US"/>
               <a:pPr/>
-              <a:t>‹Nº›</a:t>
+              <a:t>‹Nr.›</a:t>
             </a:fld>
             <a:endParaRPr lang="en-US"/>
           </a:p>
         </p:txBody>
       </p:sp>
     </p:spTree>
+    <p:extLst>
+      <p:ext uri="{BB962C8B-B14F-4D97-AF65-F5344CB8AC3E}">
+        <p14:creationId xmlns:p14="http://schemas.microsoft.com/office/powerpoint/2010/main" val="1804289383"/>
+      </p:ext>
+    </p:extLst>
   </p:cSld>
   <p:clrMap bg1="lt1" tx1="dk1" bg2="lt2" tx2="dk2" accent1="accent1" accent2="accent2" accent3="accent3" accent4="accent4" accent5="accent5" accent6="accent6" hlink="hlink" folHlink="folHlink"/>
   <p:notesStyle>
@@ -661,6 +683,11 @@
         </p:txBody>
       </p:sp>
     </p:spTree>
+    <p:extLst>
+      <p:ext uri="{BB962C8B-B14F-4D97-AF65-F5344CB8AC3E}">
+        <p14:creationId xmlns:p14="http://schemas.microsoft.com/office/powerpoint/2010/main" val="846930886"/>
+      </p:ext>
+    </p:extLst>
   </p:cSld>
   <p:clrMapOvr>
     <a:masterClrMapping/>
@@ -705,7 +732,7 @@
             <a:fld id="{DAB5CE2F-4F72-4A35-A850-8CE07BA6359D}" type="slidenum">
               <a:rPr lang="en-US"/>
               <a:pPr/>
-              <a:t>10</a:t>
+              <a:t>11</a:t>
             </a:fld>
             <a:endParaRPr lang="en-US"/>
           </a:p>
@@ -745,6 +772,11 @@
         </p:txBody>
       </p:sp>
     </p:spTree>
+    <p:extLst>
+      <p:ext uri="{BB962C8B-B14F-4D97-AF65-F5344CB8AC3E}">
+        <p14:creationId xmlns:p14="http://schemas.microsoft.com/office/powerpoint/2010/main" val="1025202362"/>
+      </p:ext>
+    </p:extLst>
   </p:cSld>
   <p:clrMapOvr>
     <a:masterClrMapping/>
@@ -789,7 +821,7 @@
             <a:fld id="{DAB5CE2F-4F72-4A35-A850-8CE07BA6359D}" type="slidenum">
               <a:rPr lang="en-US"/>
               <a:pPr/>
-              <a:t>11</a:t>
+              <a:t>12</a:t>
             </a:fld>
             <a:endParaRPr lang="en-US"/>
           </a:p>
@@ -829,6 +861,11 @@
         </p:txBody>
       </p:sp>
     </p:spTree>
+    <p:extLst>
+      <p:ext uri="{BB962C8B-B14F-4D97-AF65-F5344CB8AC3E}">
+        <p14:creationId xmlns:p14="http://schemas.microsoft.com/office/powerpoint/2010/main" val="1350490027"/>
+      </p:ext>
+    </p:extLst>
   </p:cSld>
   <p:clrMapOvr>
     <a:masterClrMapping/>
@@ -873,7 +910,7 @@
             <a:fld id="{DAB5CE2F-4F72-4A35-A850-8CE07BA6359D}" type="slidenum">
               <a:rPr lang="en-US"/>
               <a:pPr/>
-              <a:t>12</a:t>
+              <a:t>13</a:t>
             </a:fld>
             <a:endParaRPr lang="en-US"/>
           </a:p>
@@ -913,6 +950,11 @@
         </p:txBody>
       </p:sp>
     </p:spTree>
+    <p:extLst>
+      <p:ext uri="{BB962C8B-B14F-4D97-AF65-F5344CB8AC3E}">
+        <p14:creationId xmlns:p14="http://schemas.microsoft.com/office/powerpoint/2010/main" val="783368690"/>
+      </p:ext>
+    </p:extLst>
   </p:cSld>
   <p:clrMapOvr>
     <a:masterClrMapping/>
@@ -957,7 +999,7 @@
             <a:fld id="{DAB5CE2F-4F72-4A35-A850-8CE07BA6359D}" type="slidenum">
               <a:rPr lang="en-US"/>
               <a:pPr/>
-              <a:t>13</a:t>
+              <a:t>14</a:t>
             </a:fld>
             <a:endParaRPr lang="en-US"/>
           </a:p>
@@ -997,6 +1039,11 @@
         </p:txBody>
       </p:sp>
     </p:spTree>
+    <p:extLst>
+      <p:ext uri="{BB962C8B-B14F-4D97-AF65-F5344CB8AC3E}">
+        <p14:creationId xmlns:p14="http://schemas.microsoft.com/office/powerpoint/2010/main" val="1102520059"/>
+      </p:ext>
+    </p:extLst>
   </p:cSld>
   <p:clrMapOvr>
     <a:masterClrMapping/>
@@ -1041,7 +1088,7 @@
             <a:fld id="{BC4ED99A-53B4-4F2F-97EA-AE9BCA43E0BA}" type="slidenum">
               <a:rPr lang="en-US"/>
               <a:pPr/>
-              <a:t>14</a:t>
+              <a:t>15</a:t>
             </a:fld>
             <a:endParaRPr lang="en-US"/>
           </a:p>
@@ -1081,6 +1128,11 @@
         </p:txBody>
       </p:sp>
     </p:spTree>
+    <p:extLst>
+      <p:ext uri="{BB962C8B-B14F-4D97-AF65-F5344CB8AC3E}">
+        <p14:creationId xmlns:p14="http://schemas.microsoft.com/office/powerpoint/2010/main" val="2044897763"/>
+      </p:ext>
+    </p:extLst>
   </p:cSld>
   <p:clrMapOvr>
     <a:masterClrMapping/>
@@ -1165,6 +1217,11 @@
         </p:txBody>
       </p:sp>
     </p:spTree>
+    <p:extLst>
+      <p:ext uri="{BB962C8B-B14F-4D97-AF65-F5344CB8AC3E}">
+        <p14:creationId xmlns:p14="http://schemas.microsoft.com/office/powerpoint/2010/main" val="1681692777"/>
+      </p:ext>
+    </p:extLst>
   </p:cSld>
   <p:clrMapOvr>
     <a:masterClrMapping/>
@@ -1249,6 +1306,11 @@
         </p:txBody>
       </p:sp>
     </p:spTree>
+    <p:extLst>
+      <p:ext uri="{BB962C8B-B14F-4D97-AF65-F5344CB8AC3E}">
+        <p14:creationId xmlns:p14="http://schemas.microsoft.com/office/powerpoint/2010/main" val="1714636915"/>
+      </p:ext>
+    </p:extLst>
   </p:cSld>
   <p:clrMapOvr>
     <a:masterClrMapping/>
@@ -1333,6 +1395,11 @@
         </p:txBody>
       </p:sp>
     </p:spTree>
+    <p:extLst>
+      <p:ext uri="{BB962C8B-B14F-4D97-AF65-F5344CB8AC3E}">
+        <p14:creationId xmlns:p14="http://schemas.microsoft.com/office/powerpoint/2010/main" val="1957747793"/>
+      </p:ext>
+    </p:extLst>
   </p:cSld>
   <p:clrMapOvr>
     <a:masterClrMapping/>
@@ -1417,6 +1484,11 @@
         </p:txBody>
       </p:sp>
     </p:spTree>
+    <p:extLst>
+      <p:ext uri="{BB962C8B-B14F-4D97-AF65-F5344CB8AC3E}">
+        <p14:creationId xmlns:p14="http://schemas.microsoft.com/office/powerpoint/2010/main" val="424238335"/>
+      </p:ext>
+    </p:extLst>
   </p:cSld>
   <p:clrMapOvr>
     <a:masterClrMapping/>
@@ -1501,6 +1573,11 @@
         </p:txBody>
       </p:sp>
     </p:spTree>
+    <p:extLst>
+      <p:ext uri="{BB962C8B-B14F-4D97-AF65-F5344CB8AC3E}">
+        <p14:creationId xmlns:p14="http://schemas.microsoft.com/office/powerpoint/2010/main" val="719885386"/>
+      </p:ext>
+    </p:extLst>
   </p:cSld>
   <p:clrMapOvr>
     <a:masterClrMapping/>
@@ -1585,6 +1662,11 @@
         </p:txBody>
       </p:sp>
     </p:spTree>
+    <p:extLst>
+      <p:ext uri="{BB962C8B-B14F-4D97-AF65-F5344CB8AC3E}">
+        <p14:creationId xmlns:p14="http://schemas.microsoft.com/office/powerpoint/2010/main" val="1649760492"/>
+      </p:ext>
+    </p:extLst>
   </p:cSld>
   <p:clrMapOvr>
     <a:masterClrMapping/>
@@ -1669,6 +1751,11 @@
         </p:txBody>
       </p:sp>
     </p:spTree>
+    <p:extLst>
+      <p:ext uri="{BB962C8B-B14F-4D97-AF65-F5344CB8AC3E}">
+        <p14:creationId xmlns:p14="http://schemas.microsoft.com/office/powerpoint/2010/main" val="596516649"/>
+      </p:ext>
+    </p:extLst>
   </p:cSld>
   <p:clrMapOvr>
     <a:masterClrMapping/>
@@ -1753,6 +1840,11 @@
         </p:txBody>
       </p:sp>
     </p:spTree>
+    <p:extLst>
+      <p:ext uri="{BB962C8B-B14F-4D97-AF65-F5344CB8AC3E}">
+        <p14:creationId xmlns:p14="http://schemas.microsoft.com/office/powerpoint/2010/main" val="1189641421"/>
+      </p:ext>
+    </p:extLst>
   </p:cSld>
   <p:clrMapOvr>
     <a:masterClrMapping/>
@@ -3898,6 +3990,69 @@
       </p:grpSpPr>
       <p:sp>
         <p:nvSpPr>
+          <p:cNvPr id="2" name="Rectángulo 1"/>
+          <p:cNvSpPr/>
+          <p:nvPr/>
+        </p:nvSpPr>
+        <p:spPr bwMode="auto">
+          <a:xfrm>
+            <a:off x="0" y="4831992"/>
+            <a:ext cx="3059832" cy="1621344"/>
+          </a:xfrm>
+          <a:prstGeom prst="rect">
+            <a:avLst/>
+          </a:prstGeom>
+          <a:solidFill>
+            <a:schemeClr val="tx2"/>
+          </a:solidFill>
+          <a:ln w="9525" cap="flat" cmpd="sng" algn="ctr">
+            <a:noFill/>
+            <a:prstDash val="solid"/>
+            <a:round/>
+            <a:headEnd type="none" w="med" len="med"/>
+            <a:tailEnd type="none" w="med" len="med"/>
+          </a:ln>
+          <a:effectLst/>
+        </p:spPr>
+        <p:txBody>
+          <a:bodyPr vert="horz" wrap="none" lIns="91440" tIns="45720" rIns="91440" bIns="45720" numCol="1" rtlCol="0" anchor="ctr" anchorCtr="0" compatLnSpc="1">
+            <a:prstTxWarp prst="textNoShape">
+              <a:avLst/>
+            </a:prstTxWarp>
+          </a:bodyPr>
+          <a:lstStyle/>
+          <a:p>
+            <a:pPr marL="0" marR="0" indent="0" algn="ctr" defTabSz="914400" rtl="0" eaLnBrk="1" fontAlgn="base" latinLnBrk="0" hangingPunct="1">
+              <a:lnSpc>
+                <a:spcPct val="100000"/>
+              </a:lnSpc>
+              <a:spcBef>
+                <a:spcPct val="0"/>
+              </a:spcBef>
+              <a:spcAft>
+                <a:spcPct val="0"/>
+              </a:spcAft>
+              <a:buClrTx/>
+              <a:buSzTx/>
+              <a:buFontTx/>
+              <a:buNone/>
+              <a:tabLst/>
+            </a:pPr>
+            <a:endParaRPr kumimoji="0" lang="es-ES" sz="2400" b="0" i="0" u="none" strike="noStrike" cap="none" normalizeH="0" baseline="0" smtClean="0">
+              <a:ln>
+                <a:noFill/>
+              </a:ln>
+              <a:solidFill>
+                <a:schemeClr val="tx1"/>
+              </a:solidFill>
+              <a:effectLst/>
+              <a:latin typeface="Arial" charset="0"/>
+            </a:endParaRPr>
+          </a:p>
+        </p:txBody>
+      </p:sp>
+      <p:sp>
+        <p:nvSpPr>
           <p:cNvPr id="2050" name="Rectangle 2"/>
           <p:cNvSpPr>
             <a:spLocks noGrp="1" noChangeArrowheads="1"/>
@@ -4056,6 +4211,110 @@
 </file>
 
 <file path=ppt/slides/slide10.xml><?xml version="1.0" encoding="utf-8"?>
+<p:sld xmlns:a="http://schemas.openxmlformats.org/drawingml/2006/main" xmlns:r="http://schemas.openxmlformats.org/officeDocument/2006/relationships" xmlns:p="http://schemas.openxmlformats.org/presentationml/2006/main">
+  <p:cSld>
+    <p:spTree>
+      <p:nvGrpSpPr>
+        <p:cNvPr id="1" name=""/>
+        <p:cNvGrpSpPr/>
+        <p:nvPr/>
+      </p:nvGrpSpPr>
+      <p:grpSpPr>
+        <a:xfrm>
+          <a:off x="0" y="0"/>
+          <a:ext cx="0" cy="0"/>
+          <a:chOff x="0" y="0"/>
+          <a:chExt cx="0" cy="0"/>
+        </a:xfrm>
+      </p:grpSpPr>
+      <p:sp>
+        <p:nvSpPr>
+          <p:cNvPr id="2" name="Título 1"/>
+          <p:cNvSpPr>
+            <a:spLocks noGrp="1"/>
+          </p:cNvSpPr>
+          <p:nvPr>
+            <p:ph type="title"/>
+          </p:nvPr>
+        </p:nvSpPr>
+        <p:spPr/>
+        <p:txBody>
+          <a:bodyPr/>
+          <a:lstStyle/>
+          <a:p>
+            <a:endParaRPr lang="es-ES"/>
+          </a:p>
+        </p:txBody>
+      </p:sp>
+      <p:sp>
+        <p:nvSpPr>
+          <p:cNvPr id="3" name="Marcador de contenido 2"/>
+          <p:cNvSpPr>
+            <a:spLocks noGrp="1"/>
+          </p:cNvSpPr>
+          <p:nvPr>
+            <p:ph idx="1"/>
+          </p:nvPr>
+        </p:nvSpPr>
+        <p:spPr/>
+        <p:txBody>
+          <a:bodyPr/>
+          <a:lstStyle/>
+          <a:p>
+            <a:endParaRPr lang="es-ES"/>
+          </a:p>
+        </p:txBody>
+      </p:sp>
+      <p:pic>
+        <p:nvPicPr>
+          <p:cNvPr id="4" name="6 Imagen"/>
+          <p:cNvPicPr/>
+          <p:nvPr/>
+        </p:nvPicPr>
+        <p:blipFill>
+          <a:blip r:embed="rId2" cstate="print">
+            <a:extLst>
+              <a:ext uri="{28A0092B-C50C-407E-A947-70E740481C1C}">
+                <a14:useLocalDpi xmlns:a14="http://schemas.microsoft.com/office/drawing/2010/main" val="0"/>
+              </a:ext>
+            </a:extLst>
+          </a:blip>
+          <a:srcRect b="1906"/>
+          <a:stretch>
+            <a:fillRect/>
+          </a:stretch>
+        </p:blipFill>
+        <p:spPr>
+          <a:xfrm>
+            <a:off x="-11088" y="0"/>
+            <a:ext cx="9273999" cy="7917503"/>
+          </a:xfrm>
+          <a:prstGeom prst="rect">
+            <a:avLst/>
+          </a:prstGeom>
+        </p:spPr>
+      </p:pic>
+    </p:spTree>
+    <p:extLst>
+      <p:ext uri="{BB962C8B-B14F-4D97-AF65-F5344CB8AC3E}">
+        <p14:creationId xmlns:p14="http://schemas.microsoft.com/office/powerpoint/2010/main" val="756898537"/>
+      </p:ext>
+    </p:extLst>
+  </p:cSld>
+  <p:clrMapOvr>
+    <a:masterClrMapping/>
+  </p:clrMapOvr>
+  <p:timing>
+    <p:tnLst>
+      <p:par>
+        <p:cTn id="1" dur="indefinite" restart="never" nodeType="tmRoot"/>
+      </p:par>
+    </p:tnLst>
+  </p:timing>
+</p:sld>
+</file>
+
+<file path=ppt/slides/slide11.xml><?xml version="1.0" encoding="utf-8"?>
 <p:sld xmlns:a="http://schemas.openxmlformats.org/drawingml/2006/main" xmlns:r="http://schemas.openxmlformats.org/officeDocument/2006/relationships" xmlns:p="http://schemas.openxmlformats.org/presentationml/2006/main">
   <p:cSld>
     <p:bg>
@@ -4152,13 +4411,6 @@
               </a:rPr>
               <a:t>VISTA DE MÓDULOS</a:t>
             </a:r>
-            <a:endParaRPr lang="es-ES" dirty="0" smtClean="0">
-              <a:solidFill>
-                <a:schemeClr val="bg1"/>
-              </a:solidFill>
-              <a:latin typeface="Roboto" pitchFamily="2" charset="0"/>
-              <a:ea typeface="Roboto" pitchFamily="2" charset="0"/>
-            </a:endParaRPr>
           </a:p>
         </p:txBody>
       </p:sp>
@@ -4172,7 +4424,7 @@
           <a:blip r:embed="rId4" cstate="print">
             <a:extLst>
               <a:ext uri="{28A0092B-C50C-407E-A947-70E740481C1C}">
-                <a14:useLocalDpi xmlns="" xmlns:wpc="http://schemas.microsoft.com/office/word/2010/wordprocessingCanvas" xmlns:cx="http://schemas.microsoft.com/office/drawing/2014/chartex" xmlns:cx1="http://schemas.microsoft.com/office/drawing/2015/9/8/chartex" xmlns:cx2="http://schemas.microsoft.com/office/drawing/2015/10/21/chartex" xmlns:mc="http://schemas.openxmlformats.org/markup-compatibility/2006" xmlns:o="urn:schemas-microsoft-com:office:office" xmlns:m="http://schemas.openxmlformats.org/officeDocument/2006/math" xmlns:v="urn:schemas-microsoft-com:vml" xmlns:wp14="http://schemas.microsoft.com/office/word/2010/wordprocessingDrawing" xmlns:wp="http://schemas.openxmlformats.org/drawingml/2006/wordprocessingDrawing" xmlns:w10="urn:schemas-microsoft-com:office:word" xmlns:w="http://schemas.openxmlformats.org/wordprocessingml/2006/main" xmlns:w14="http://schemas.microsoft.com/office/word/2010/wordml" xmlns:w15="http://schemas.microsoft.com/office/word/2012/wordml" xmlns:w16se="http://schemas.microsoft.com/office/word/2015/wordml/symex" xmlns:wpg="http://schemas.microsoft.com/office/word/2010/wordprocessingGroup" xmlns:wpi="http://schemas.microsoft.com/office/word/2010/wordprocessingInk" xmlns:wne="http://schemas.microsoft.com/office/word/2006/wordml" xmlns:wps="http://schemas.microsoft.com/office/word/2010/wordprocessingShape" xmlns:a14="http://schemas.microsoft.com/office/drawing/2010/main" xmlns:pic="http://schemas.openxmlformats.org/drawingml/2006/picture" xmlns:lc="http://schemas.openxmlformats.org/drawingml/2006/lockedCanvas" val="0"/>
+                <a14:useLocalDpi xmlns:a14="http://schemas.microsoft.com/office/drawing/2010/main" val="0"/>
               </a:ext>
             </a:extLst>
           </a:blip>
@@ -4182,8 +4434,8 @@
         </p:blipFill>
         <p:spPr>
           <a:xfrm>
-            <a:off x="2843808" y="1844824"/>
-            <a:ext cx="4953000" cy="4953000"/>
+            <a:off x="2843808" y="1772816"/>
+            <a:ext cx="5169024" cy="5169024"/>
           </a:xfrm>
           <a:prstGeom prst="rect">
             <a:avLst/>
@@ -4205,7 +4457,7 @@
 </p:sld>
 </file>
 
-<file path=ppt/slides/slide11.xml><?xml version="1.0" encoding="utf-8"?>
+<file path=ppt/slides/slide12.xml><?xml version="1.0" encoding="utf-8"?>
 <p:sld xmlns:a="http://schemas.openxmlformats.org/drawingml/2006/main" xmlns:r="http://schemas.openxmlformats.org/officeDocument/2006/relationships" xmlns:p="http://schemas.openxmlformats.org/presentationml/2006/main">
   <p:cSld>
     <p:bg>
@@ -4273,7 +4525,7 @@
           <a:blip r:embed="rId4" cstate="print">
             <a:extLst>
               <a:ext uri="{28A0092B-C50C-407E-A947-70E740481C1C}">
-                <a14:useLocalDpi xmlns="" xmlns:wpc="http://schemas.microsoft.com/office/word/2010/wordprocessingCanvas" xmlns:cx="http://schemas.microsoft.com/office/drawing/2014/chartex" xmlns:cx1="http://schemas.microsoft.com/office/drawing/2015/9/8/chartex" xmlns:cx2="http://schemas.microsoft.com/office/drawing/2015/10/21/chartex" xmlns:mc="http://schemas.openxmlformats.org/markup-compatibility/2006" xmlns:o="urn:schemas-microsoft-com:office:office" xmlns:m="http://schemas.openxmlformats.org/officeDocument/2006/math" xmlns:v="urn:schemas-microsoft-com:vml" xmlns:wp14="http://schemas.microsoft.com/office/word/2010/wordprocessingDrawing" xmlns:wp="http://schemas.openxmlformats.org/drawingml/2006/wordprocessingDrawing" xmlns:w10="urn:schemas-microsoft-com:office:word" xmlns:w="http://schemas.openxmlformats.org/wordprocessingml/2006/main" xmlns:w14="http://schemas.microsoft.com/office/word/2010/wordml" xmlns:w15="http://schemas.microsoft.com/office/word/2012/wordml" xmlns:w16se="http://schemas.microsoft.com/office/word/2015/wordml/symex" xmlns:wpg="http://schemas.microsoft.com/office/word/2010/wordprocessingGroup" xmlns:wpi="http://schemas.microsoft.com/office/word/2010/wordprocessingInk" xmlns:wne="http://schemas.microsoft.com/office/word/2006/wordml" xmlns:wps="http://schemas.microsoft.com/office/word/2010/wordprocessingShape" xmlns:a14="http://schemas.microsoft.com/office/drawing/2010/main" xmlns:pic="http://schemas.openxmlformats.org/drawingml/2006/picture" xmlns:lc="http://schemas.openxmlformats.org/drawingml/2006/lockedCanvas" val="0"/>
+                <a14:useLocalDpi xmlns:a14="http://schemas.microsoft.com/office/drawing/2010/main" val="0"/>
               </a:ext>
             </a:extLst>
           </a:blip>
@@ -4284,8 +4536,8 @@
         </p:blipFill>
         <p:spPr>
           <a:xfrm>
-            <a:off x="1800200" y="1853023"/>
-            <a:ext cx="7343800" cy="4888345"/>
+            <a:off x="0" y="1853023"/>
+            <a:ext cx="9144000" cy="6086635"/>
           </a:xfrm>
           <a:prstGeom prst="rect">
             <a:avLst/>
@@ -4329,166 +4581,9 @@
               </a:rPr>
               <a:t>VISTA DE COMPONENTES Y CONECTORES</a:t>
             </a:r>
-            <a:endParaRPr lang="es-ES" dirty="0" smtClean="0">
-              <a:solidFill>
-                <a:schemeClr val="bg1"/>
-              </a:solidFill>
-              <a:latin typeface="Roboto" pitchFamily="2" charset="0"/>
-              <a:ea typeface="Roboto" pitchFamily="2" charset="0"/>
-            </a:endParaRPr>
           </a:p>
         </p:txBody>
       </p:sp>
-    </p:spTree>
-  </p:cSld>
-  <p:clrMapOvr>
-    <a:masterClrMapping/>
-  </p:clrMapOvr>
-  <p:timing>
-    <p:tnLst>
-      <p:par>
-        <p:cTn id="1" dur="indefinite" restart="never" nodeType="tmRoot"/>
-      </p:par>
-    </p:tnLst>
-  </p:timing>
-</p:sld>
-</file>
-
-<file path=ppt/slides/slide12.xml><?xml version="1.0" encoding="utf-8"?>
-<p:sld xmlns:a="http://schemas.openxmlformats.org/drawingml/2006/main" xmlns:r="http://schemas.openxmlformats.org/officeDocument/2006/relationships" xmlns:p="http://schemas.openxmlformats.org/presentationml/2006/main">
-  <p:cSld>
-    <p:bg>
-      <p:bgPr>
-        <a:blipFill dpi="0" rotWithShape="0">
-          <a:blip r:embed="rId3" cstate="print">
-            <a:lum/>
-          </a:blip>
-          <a:srcRect/>
-          <a:stretch>
-            <a:fillRect/>
-          </a:stretch>
-        </a:blipFill>
-        <a:effectLst/>
-      </p:bgPr>
-    </p:bg>
-    <p:spTree>
-      <p:nvGrpSpPr>
-        <p:cNvPr id="1" name=""/>
-        <p:cNvGrpSpPr/>
-        <p:nvPr/>
-      </p:nvGrpSpPr>
-      <p:grpSpPr>
-        <a:xfrm>
-          <a:off x="0" y="0"/>
-          <a:ext cx="0" cy="0"/>
-          <a:chOff x="0" y="0"/>
-          <a:chExt cx="0" cy="0"/>
-        </a:xfrm>
-      </p:grpSpPr>
-      <p:sp>
-        <p:nvSpPr>
-          <p:cNvPr id="6" name="Rectangle 2"/>
-          <p:cNvSpPr>
-            <a:spLocks noGrp="1" noChangeArrowheads="1"/>
-          </p:cNvSpPr>
-          <p:nvPr>
-            <p:ph type="title"/>
-          </p:nvPr>
-        </p:nvSpPr>
-        <p:spPr>
-          <a:xfrm>
-            <a:off x="0" y="332581"/>
-            <a:ext cx="9144000" cy="792163"/>
-          </a:xfrm>
-        </p:spPr>
-        <p:txBody>
-          <a:bodyPr/>
-          <a:lstStyle/>
-          <a:p>
-            <a:pPr algn="ctr"/>
-            <a:r>
-              <a:rPr lang="en-US" dirty="0" err="1" smtClean="0"/>
-              <a:t>Arquitectura</a:t>
-            </a:r>
-            <a:endParaRPr lang="en-US" dirty="0"/>
-          </a:p>
-        </p:txBody>
-      </p:sp>
-      <p:sp>
-        <p:nvSpPr>
-          <p:cNvPr id="8" name="7 Rectángulo"/>
-          <p:cNvSpPr/>
-          <p:nvPr/>
-        </p:nvSpPr>
-        <p:spPr>
-          <a:xfrm>
-            <a:off x="0" y="1311151"/>
-            <a:ext cx="9144000" cy="461665"/>
-          </a:xfrm>
-          <a:prstGeom prst="rect">
-            <a:avLst/>
-          </a:prstGeom>
-          <a:solidFill>
-            <a:schemeClr val="accent1">
-              <a:alpha val="60000"/>
-            </a:schemeClr>
-          </a:solidFill>
-        </p:spPr>
-        <p:txBody>
-          <a:bodyPr wrap="square">
-            <a:spAutoFit/>
-          </a:bodyPr>
-          <a:lstStyle/>
-          <a:p>
-            <a:pPr lvl="0"/>
-            <a:r>
-              <a:rPr lang="es-ES" dirty="0" smtClean="0">
-                <a:solidFill>
-                  <a:schemeClr val="bg1"/>
-                </a:solidFill>
-                <a:latin typeface="Roboto" pitchFamily="2" charset="0"/>
-                <a:ea typeface="Roboto" pitchFamily="2" charset="0"/>
-              </a:rPr>
-              <a:t>VISTA DE DESPLIEGUE</a:t>
-            </a:r>
-            <a:endParaRPr lang="es-ES" dirty="0" smtClean="0">
-              <a:solidFill>
-                <a:schemeClr val="bg1"/>
-              </a:solidFill>
-              <a:latin typeface="Roboto" pitchFamily="2" charset="0"/>
-              <a:ea typeface="Roboto" pitchFamily="2" charset="0"/>
-            </a:endParaRPr>
-          </a:p>
-        </p:txBody>
-      </p:sp>
-      <p:pic>
-        <p:nvPicPr>
-          <p:cNvPr id="5" name="4 Imagen"/>
-          <p:cNvPicPr/>
-          <p:nvPr/>
-        </p:nvPicPr>
-        <p:blipFill>
-          <a:blip r:embed="rId4" cstate="print">
-            <a:extLst>
-              <a:ext uri="{28A0092B-C50C-407E-A947-70E740481C1C}">
-                <a14:useLocalDpi xmlns="" xmlns:wpc="http://schemas.microsoft.com/office/word/2010/wordprocessingCanvas" xmlns:cx="http://schemas.microsoft.com/office/drawing/2014/chartex" xmlns:cx1="http://schemas.microsoft.com/office/drawing/2015/9/8/chartex" xmlns:cx2="http://schemas.microsoft.com/office/drawing/2015/10/21/chartex" xmlns:mc="http://schemas.openxmlformats.org/markup-compatibility/2006" xmlns:o="urn:schemas-microsoft-com:office:office" xmlns:m="http://schemas.openxmlformats.org/officeDocument/2006/math" xmlns:v="urn:schemas-microsoft-com:vml" xmlns:wp14="http://schemas.microsoft.com/office/word/2010/wordprocessingDrawing" xmlns:wp="http://schemas.openxmlformats.org/drawingml/2006/wordprocessingDrawing" xmlns:w10="urn:schemas-microsoft-com:office:word" xmlns:w="http://schemas.openxmlformats.org/wordprocessingml/2006/main" xmlns:w14="http://schemas.microsoft.com/office/word/2010/wordml" xmlns:w15="http://schemas.microsoft.com/office/word/2012/wordml" xmlns:w16se="http://schemas.microsoft.com/office/word/2015/wordml/symex" xmlns:wpg="http://schemas.microsoft.com/office/word/2010/wordprocessingGroup" xmlns:wpi="http://schemas.microsoft.com/office/word/2010/wordprocessingInk" xmlns:wne="http://schemas.microsoft.com/office/word/2006/wordml" xmlns:wps="http://schemas.microsoft.com/office/word/2010/wordprocessingShape" xmlns:a14="http://schemas.microsoft.com/office/drawing/2010/main" xmlns:pic="http://schemas.openxmlformats.org/drawingml/2006/picture" xmlns:lc="http://schemas.openxmlformats.org/drawingml/2006/lockedCanvas" val="0"/>
-              </a:ext>
-            </a:extLst>
-          </a:blip>
-          <a:stretch>
-            <a:fillRect/>
-          </a:stretch>
-        </p:blipFill>
-        <p:spPr>
-          <a:xfrm>
-            <a:off x="1873884" y="2146617"/>
-            <a:ext cx="7091886" cy="3514631"/>
-          </a:xfrm>
-          <a:prstGeom prst="rect">
-            <a:avLst/>
-          </a:prstGeom>
-        </p:spPr>
-      </p:pic>
     </p:spTree>
   </p:cSld>
   <p:clrMapOvr>
@@ -4599,15 +4694,151 @@
                 <a:latin typeface="Roboto" pitchFamily="2" charset="0"/>
                 <a:ea typeface="Roboto" pitchFamily="2" charset="0"/>
               </a:rPr>
+              <a:t>VISTA DE DESPLIEGUE</a:t>
+            </a:r>
+          </a:p>
+        </p:txBody>
+      </p:sp>
+      <p:pic>
+        <p:nvPicPr>
+          <p:cNvPr id="5" name="4 Imagen"/>
+          <p:cNvPicPr/>
+          <p:nvPr/>
+        </p:nvPicPr>
+        <p:blipFill>
+          <a:blip r:embed="rId4" cstate="print">
+            <a:extLst>
+              <a:ext uri="{28A0092B-C50C-407E-A947-70E740481C1C}">
+                <a14:useLocalDpi xmlns:a14="http://schemas.microsoft.com/office/drawing/2010/main" val="0"/>
+              </a:ext>
+            </a:extLst>
+          </a:blip>
+          <a:stretch>
+            <a:fillRect/>
+          </a:stretch>
+        </p:blipFill>
+        <p:spPr>
+          <a:xfrm>
+            <a:off x="-11336" y="2320755"/>
+            <a:ext cx="9155336" cy="4537245"/>
+          </a:xfrm>
+          <a:prstGeom prst="rect">
+            <a:avLst/>
+          </a:prstGeom>
+        </p:spPr>
+      </p:pic>
+    </p:spTree>
+  </p:cSld>
+  <p:clrMapOvr>
+    <a:masterClrMapping/>
+  </p:clrMapOvr>
+  <p:timing>
+    <p:tnLst>
+      <p:par>
+        <p:cTn id="1" dur="indefinite" restart="never" nodeType="tmRoot"/>
+      </p:par>
+    </p:tnLst>
+  </p:timing>
+</p:sld>
+</file>
+
+<file path=ppt/slides/slide14.xml><?xml version="1.0" encoding="utf-8"?>
+<p:sld xmlns:a="http://schemas.openxmlformats.org/drawingml/2006/main" xmlns:r="http://schemas.openxmlformats.org/officeDocument/2006/relationships" xmlns:p="http://schemas.openxmlformats.org/presentationml/2006/main">
+  <p:cSld>
+    <p:bg>
+      <p:bgPr>
+        <a:blipFill dpi="0" rotWithShape="0">
+          <a:blip r:embed="rId3" cstate="print">
+            <a:lum/>
+          </a:blip>
+          <a:srcRect/>
+          <a:stretch>
+            <a:fillRect/>
+          </a:stretch>
+        </a:blipFill>
+        <a:effectLst/>
+      </p:bgPr>
+    </p:bg>
+    <p:spTree>
+      <p:nvGrpSpPr>
+        <p:cNvPr id="1" name=""/>
+        <p:cNvGrpSpPr/>
+        <p:nvPr/>
+      </p:nvGrpSpPr>
+      <p:grpSpPr>
+        <a:xfrm>
+          <a:off x="0" y="0"/>
+          <a:ext cx="0" cy="0"/>
+          <a:chOff x="0" y="0"/>
+          <a:chExt cx="0" cy="0"/>
+        </a:xfrm>
+      </p:grpSpPr>
+      <p:sp>
+        <p:nvSpPr>
+          <p:cNvPr id="6" name="Rectangle 2"/>
+          <p:cNvSpPr>
+            <a:spLocks noGrp="1" noChangeArrowheads="1"/>
+          </p:cNvSpPr>
+          <p:nvPr>
+            <p:ph type="title"/>
+          </p:nvPr>
+        </p:nvSpPr>
+        <p:spPr>
+          <a:xfrm>
+            <a:off x="0" y="332581"/>
+            <a:ext cx="9144000" cy="792163"/>
+          </a:xfrm>
+        </p:spPr>
+        <p:txBody>
+          <a:bodyPr/>
+          <a:lstStyle/>
+          <a:p>
+            <a:pPr algn="ctr"/>
+            <a:r>
+              <a:rPr lang="en-US" dirty="0" err="1" smtClean="0"/>
+              <a:t>Arquitectura</a:t>
+            </a:r>
+            <a:endParaRPr lang="en-US" dirty="0"/>
+          </a:p>
+        </p:txBody>
+      </p:sp>
+      <p:sp>
+        <p:nvSpPr>
+          <p:cNvPr id="8" name="7 Rectángulo"/>
+          <p:cNvSpPr/>
+          <p:nvPr/>
+        </p:nvSpPr>
+        <p:spPr>
+          <a:xfrm>
+            <a:off x="0" y="1311151"/>
+            <a:ext cx="9144000" cy="461665"/>
+          </a:xfrm>
+          <a:prstGeom prst="rect">
+            <a:avLst/>
+          </a:prstGeom>
+          <a:solidFill>
+            <a:schemeClr val="accent1">
+              <a:alpha val="60000"/>
+            </a:schemeClr>
+          </a:solidFill>
+        </p:spPr>
+        <p:txBody>
+          <a:bodyPr wrap="square">
+            <a:spAutoFit/>
+          </a:bodyPr>
+          <a:lstStyle/>
+          <a:p>
+            <a:pPr lvl="0"/>
+            <a:r>
+              <a:rPr lang="es-ES" dirty="0" smtClean="0">
+                <a:solidFill>
+                  <a:schemeClr val="bg1"/>
+                </a:solidFill>
+                <a:latin typeface="Roboto" pitchFamily="2" charset="0"/>
+                <a:ea typeface="Roboto" pitchFamily="2" charset="0"/>
+              </a:rPr>
               <a:t>MAPA DE NAVEGACIÓN</a:t>
             </a:r>
-            <a:endParaRPr lang="es-ES" dirty="0" smtClean="0">
-              <a:solidFill>
-                <a:schemeClr val="bg1"/>
-              </a:solidFill>
-              <a:latin typeface="Roboto" pitchFamily="2" charset="0"/>
-              <a:ea typeface="Roboto" pitchFamily="2" charset="0"/>
-            </a:endParaRPr>
           </a:p>
         </p:txBody>
       </p:sp>
@@ -4653,7 +4884,7 @@
 </p:sld>
 </file>
 
-<file path=ppt/slides/slide14.xml><?xml version="1.0" encoding="utf-8"?>
+<file path=ppt/slides/slide15.xml><?xml version="1.0" encoding="utf-8"?>
 <p:sld xmlns:a="http://schemas.openxmlformats.org/drawingml/2006/main" xmlns:r="http://schemas.openxmlformats.org/officeDocument/2006/relationships" xmlns:p="http://schemas.openxmlformats.org/presentationml/2006/main">
   <p:cSld>
     <p:spTree>
@@ -4814,28 +5045,7 @@
                 <a:latin typeface="Roboto" pitchFamily="2" charset="0"/>
                 <a:ea typeface="Roboto" pitchFamily="2" charset="0"/>
               </a:rPr>
-              <a:t> es una aplicación para dispositivos </a:t>
-            </a:r>
-            <a:r>
-              <a:rPr lang="es-ES" sz="2200" dirty="0" smtClean="0">
-                <a:latin typeface="Roboto" pitchFamily="2" charset="0"/>
-                <a:ea typeface="Roboto" pitchFamily="2" charset="0"/>
-              </a:rPr>
-              <a:t>móviles que podrá </a:t>
-            </a:r>
-            <a:r>
-              <a:rPr lang="es-ES" sz="2200" dirty="0" smtClean="0">
-                <a:latin typeface="Roboto" pitchFamily="2" charset="0"/>
-                <a:ea typeface="Roboto" pitchFamily="2" charset="0"/>
-              </a:rPr>
-              <a:t>interactuar con el edificio de un campus universitario con el fin de ayudar principalmente al personal trabajador contratado en la entidad, ya sea conserjes, profesores, guardias de seguridad, empleados de </a:t>
-            </a:r>
-            <a:r>
-              <a:rPr lang="es-ES" sz="2200" dirty="0" smtClean="0">
-                <a:latin typeface="Roboto" pitchFamily="2" charset="0"/>
-                <a:ea typeface="Roboto" pitchFamily="2" charset="0"/>
-              </a:rPr>
-              <a:t>limpieza…</a:t>
+              <a:t> es una aplicación para dispositivos móviles que podrá interactuar con el edificio de un campus universitario con el fin de ayudar principalmente al personal trabajador contratado en la entidad, ya sea conserjes, profesores, guardias de seguridad, empleados de limpieza…</a:t>
             </a:r>
           </a:p>
           <a:p>
@@ -4852,14 +5062,7 @@
                 <a:latin typeface="Roboto" pitchFamily="2" charset="0"/>
                 <a:ea typeface="Roboto" pitchFamily="2" charset="0"/>
               </a:rPr>
-              <a:t>También </a:t>
-            </a:r>
-            <a:r>
-              <a:rPr lang="es-ES" sz="2200" dirty="0" smtClean="0">
-                <a:latin typeface="Roboto" pitchFamily="2" charset="0"/>
-                <a:ea typeface="Roboto" pitchFamily="2" charset="0"/>
-              </a:rPr>
-              <a:t>puede ser usada en menor medida por los estudiantes, para obtener información sobre el estado de los espacios del campus.</a:t>
+              <a:t>También puede ser usada en menor medida por los estudiantes, para obtener información sobre el estado de los espacios del campus.</a:t>
             </a:r>
             <a:endParaRPr lang="es-ES" sz="2200" dirty="0">
               <a:latin typeface="Roboto" pitchFamily="2" charset="0"/>
@@ -4974,13 +5177,6 @@
               </a:rPr>
               <a:t>PROCESO SEGUIDO</a:t>
             </a:r>
-            <a:endParaRPr lang="es-ES" dirty="0" smtClean="0">
-              <a:solidFill>
-                <a:schemeClr val="bg1"/>
-              </a:solidFill>
-              <a:latin typeface="Roboto" pitchFamily="2" charset="0"/>
-              <a:ea typeface="Roboto" pitchFamily="2" charset="0"/>
-            </a:endParaRPr>
           </a:p>
         </p:txBody>
       </p:sp>
@@ -5011,21 +5207,7 @@
                 <a:latin typeface="Roboto" pitchFamily="2" charset="0"/>
                 <a:ea typeface="Roboto" pitchFamily="2" charset="0"/>
               </a:rPr>
-              <a:t>Se han planificado dos lanzamientos, los cuales representan dos iteraciones. La primera iteración acaba el 15 de abril y la segunda iteración el 27 de </a:t>
-            </a:r>
-            <a:r>
-              <a:rPr lang="es-ES" sz="2000" dirty="0" smtClean="0">
-                <a:latin typeface="Roboto" pitchFamily="2" charset="0"/>
-                <a:ea typeface="Roboto" pitchFamily="2" charset="0"/>
-              </a:rPr>
-              <a:t>mayo</a:t>
-            </a:r>
-            <a:r>
-              <a:rPr lang="es-ES" sz="2000" dirty="0" smtClean="0">
-                <a:latin typeface="Roboto" pitchFamily="2" charset="0"/>
-                <a:ea typeface="Roboto" pitchFamily="2" charset="0"/>
-              </a:rPr>
-              <a:t>.</a:t>
+              <a:t>Se han planificado dos lanzamientos, los cuales representan dos iteraciones. La primera iteración acaba el 15 de abril y la segunda iteración el 27 de mayo.</a:t>
             </a:r>
             <a:endParaRPr lang="es-ES" sz="2000" dirty="0">
               <a:latin typeface="Roboto" pitchFamily="2" charset="0"/>
@@ -5083,10 +5265,6 @@
               </a:rPr>
               <a:t>.</a:t>
             </a:r>
-            <a:endParaRPr lang="es-ES" sz="2000" dirty="0" smtClean="0">
-              <a:latin typeface="Roboto" pitchFamily="2" charset="0"/>
-              <a:ea typeface="Roboto" pitchFamily="2" charset="0"/>
-            </a:endParaRPr>
           </a:p>
           <a:p>
             <a:pPr lvl="0" algn="just">
@@ -5117,19 +5295,8 @@
                 <a:latin typeface="Roboto" pitchFamily="2" charset="0"/>
                 <a:ea typeface="Roboto" pitchFamily="2" charset="0"/>
               </a:rPr>
-              <a:t>Se llevará un control de esfuerzos con las horas dedicadas por persona</a:t>
-            </a:r>
-            <a:r>
-              <a:rPr lang="es-ES" sz="2000" dirty="0" smtClean="0">
-                <a:latin typeface="Roboto" pitchFamily="2" charset="0"/>
-                <a:ea typeface="Roboto" pitchFamily="2" charset="0"/>
-              </a:rPr>
-              <a:t>.</a:t>
-            </a:r>
-            <a:endParaRPr lang="es-ES" sz="2000" dirty="0" smtClean="0">
-              <a:latin typeface="Roboto" pitchFamily="2" charset="0"/>
-              <a:ea typeface="Roboto" pitchFamily="2" charset="0"/>
-            </a:endParaRPr>
+              <a:t>Se llevará un control de esfuerzos con las horas dedicadas por persona.</a:t>
+            </a:r>
           </a:p>
           <a:p>
             <a:pPr lvl="0" algn="just">
@@ -5160,33 +5327,8 @@
                 <a:latin typeface="Roboto" pitchFamily="2" charset="0"/>
                 <a:ea typeface="Roboto" pitchFamily="2" charset="0"/>
               </a:rPr>
-              <a:t>La documentación arquitectural es la adecuada al momento del proyecto, refleja fielmente el sistema, e incluye al menos tres vistas: </a:t>
-            </a:r>
-            <a:r>
-              <a:rPr lang="es-ES" sz="2000" dirty="0" smtClean="0">
-                <a:latin typeface="Roboto" pitchFamily="2" charset="0"/>
-                <a:ea typeface="Roboto" pitchFamily="2" charset="0"/>
-              </a:rPr>
-              <a:t>módulos, componentes-y-conectores</a:t>
-            </a:r>
-            <a:r>
-              <a:rPr lang="es-ES" sz="2000" dirty="0" smtClean="0">
-                <a:latin typeface="Roboto" pitchFamily="2" charset="0"/>
-                <a:ea typeface="Roboto" pitchFamily="2" charset="0"/>
-              </a:rPr>
-              <a:t>, y despliegue del sistema</a:t>
-            </a:r>
-            <a:r>
-              <a:rPr lang="es-ES" sz="2000" dirty="0" smtClean="0">
-                <a:latin typeface="Roboto" pitchFamily="2" charset="0"/>
-                <a:ea typeface="Roboto" pitchFamily="2" charset="0"/>
-              </a:rPr>
-              <a:t>.</a:t>
-            </a:r>
-            <a:endParaRPr lang="es-ES" sz="2000" dirty="0" smtClean="0">
-              <a:latin typeface="Roboto" pitchFamily="2" charset="0"/>
-              <a:ea typeface="Roboto" pitchFamily="2" charset="0"/>
-            </a:endParaRPr>
+              <a:t>La documentación arquitectural es la adecuada al momento del proyecto, refleja fielmente el sistema, e incluye al menos tres vistas: módulos, componentes-y-conectores, y despliegue del sistema.</a:t>
+            </a:r>
           </a:p>
         </p:txBody>
       </p:sp>
@@ -5296,13 +5438,6 @@
               </a:rPr>
               <a:t>PROCESO SEGUIDO</a:t>
             </a:r>
-            <a:endParaRPr lang="es-ES" dirty="0" smtClean="0">
-              <a:solidFill>
-                <a:schemeClr val="bg1"/>
-              </a:solidFill>
-              <a:latin typeface="Roboto" pitchFamily="2" charset="0"/>
-              <a:ea typeface="Roboto" pitchFamily="2" charset="0"/>
-            </a:endParaRPr>
           </a:p>
         </p:txBody>
       </p:sp>
@@ -5339,19 +5474,8 @@
                 <a:latin typeface="Roboto" pitchFamily="2" charset="0"/>
                 <a:ea typeface="Roboto" pitchFamily="2" charset="0"/>
               </a:rPr>
-              <a:t>La </a:t>
-            </a:r>
-            <a:r>
-              <a:rPr lang="es-ES" sz="2000" dirty="0" smtClean="0">
-                <a:latin typeface="Roboto" pitchFamily="2" charset="0"/>
-                <a:ea typeface="Roboto" pitchFamily="2" charset="0"/>
-              </a:rPr>
-              <a:t>arquitectura del sistema es por capas.</a:t>
-            </a:r>
-            <a:endParaRPr lang="es-ES" sz="2000" dirty="0" smtClean="0">
-              <a:latin typeface="Roboto" pitchFamily="2" charset="0"/>
-              <a:ea typeface="Roboto" pitchFamily="2" charset="0"/>
-            </a:endParaRPr>
+              <a:t>La arquitectura del sistema es por capas.</a:t>
+            </a:r>
           </a:p>
           <a:p>
             <a:pPr algn="just">
@@ -5567,13 +5691,6 @@
               </a:rPr>
               <a:t>ROLES</a:t>
             </a:r>
-            <a:endParaRPr lang="es-ES" dirty="0" smtClean="0">
-              <a:solidFill>
-                <a:schemeClr val="bg1"/>
-              </a:solidFill>
-              <a:latin typeface="Roboto" pitchFamily="2" charset="0"/>
-              <a:ea typeface="Roboto" pitchFamily="2" charset="0"/>
-            </a:endParaRPr>
           </a:p>
         </p:txBody>
       </p:sp>
@@ -5654,14 +5771,7 @@
                 <a:latin typeface="Roboto" pitchFamily="2" charset="0"/>
                 <a:ea typeface="Roboto" pitchFamily="2" charset="0"/>
               </a:rPr>
-              <a:t>Eduardo Ibáñez</a:t>
-            </a:r>
-            <a:r>
-              <a:rPr lang="es-ES" sz="2000" b="1" dirty="0" smtClean="0">
-                <a:latin typeface="Roboto" pitchFamily="2" charset="0"/>
-                <a:ea typeface="Roboto" pitchFamily="2" charset="0"/>
-              </a:rPr>
-              <a:t>:</a:t>
+              <a:t>Eduardo Ibáñez:</a:t>
             </a:r>
             <a:r>
               <a:rPr lang="es-ES" sz="2000" dirty="0" smtClean="0">
@@ -5721,7 +5831,14 @@
                 <a:latin typeface="Roboto" pitchFamily="2" charset="0"/>
                 <a:ea typeface="Roboto" pitchFamily="2" charset="0"/>
               </a:rPr>
-              <a:t>Cristina Lahoz: </a:t>
+              <a:t>Cristina </a:t>
+            </a:r>
+            <a:r>
+              <a:rPr lang="es-ES" sz="2000" b="1" dirty="0" smtClean="0">
+                <a:latin typeface="Roboto" pitchFamily="2" charset="0"/>
+                <a:ea typeface="Roboto" pitchFamily="2" charset="0"/>
+              </a:rPr>
+              <a:t>Lahoz: </a:t>
             </a:r>
             <a:r>
               <a:rPr lang="es-ES" sz="2000" dirty="0" smtClean="0">
@@ -5731,11 +5848,11 @@
               <a:t>Desarrolladora </a:t>
             </a:r>
             <a:r>
-              <a:rPr lang="es-ES" sz="2000" dirty="0" err="1" smtClean="0">
+              <a:rPr lang="es-ES" sz="2000" dirty="0" smtClean="0">
                 <a:latin typeface="Roboto" pitchFamily="2" charset="0"/>
                 <a:ea typeface="Roboto" pitchFamily="2" charset="0"/>
               </a:rPr>
-              <a:t>front-end</a:t>
+              <a:t>de base de datos</a:t>
             </a:r>
             <a:endParaRPr lang="es-ES" sz="2000" b="1" dirty="0" smtClean="0">
               <a:latin typeface="Roboto" pitchFamily="2" charset="0"/>
@@ -5753,14 +5870,7 @@
                 <a:latin typeface="Roboto" pitchFamily="2" charset="0"/>
                 <a:ea typeface="Roboto" pitchFamily="2" charset="0"/>
               </a:rPr>
-              <a:t>Patricia Lázaro</a:t>
-            </a:r>
-            <a:r>
-              <a:rPr lang="es-ES" sz="2000" b="1" dirty="0" smtClean="0">
-                <a:latin typeface="Roboto" pitchFamily="2" charset="0"/>
-                <a:ea typeface="Roboto" pitchFamily="2" charset="0"/>
-              </a:rPr>
-              <a:t>:</a:t>
+              <a:t>Patricia Lázaro:</a:t>
             </a:r>
             <a:r>
               <a:rPr lang="es-ES" sz="2000" dirty="0" smtClean="0">
@@ -5799,21 +5909,7 @@
                 <a:latin typeface="Roboto" pitchFamily="2" charset="0"/>
                 <a:ea typeface="Roboto" pitchFamily="2" charset="0"/>
               </a:rPr>
-              <a:t>Dueño </a:t>
-            </a:r>
-            <a:r>
-              <a:rPr lang="es-ES" sz="2000" dirty="0" smtClean="0">
-                <a:latin typeface="Roboto" pitchFamily="2" charset="0"/>
-                <a:ea typeface="Roboto" pitchFamily="2" charset="0"/>
-              </a:rPr>
-              <a:t>de </a:t>
-            </a:r>
-            <a:r>
-              <a:rPr lang="es-ES" sz="2000" dirty="0" smtClean="0">
-                <a:latin typeface="Roboto" pitchFamily="2" charset="0"/>
-                <a:ea typeface="Roboto" pitchFamily="2" charset="0"/>
-              </a:rPr>
-              <a:t>producto y desarrollador </a:t>
+              <a:t>Dueño de producto y desarrollador </a:t>
             </a:r>
             <a:r>
               <a:rPr lang="es-ES" sz="2000" dirty="0" err="1" smtClean="0">
@@ -5935,13 +6031,6 @@
               </a:rPr>
               <a:t>TAREAS</a:t>
             </a:r>
-            <a:endParaRPr lang="es-ES" dirty="0" smtClean="0">
-              <a:solidFill>
-                <a:schemeClr val="bg1"/>
-              </a:solidFill>
-              <a:latin typeface="Roboto" pitchFamily="2" charset="0"/>
-              <a:ea typeface="Roboto" pitchFamily="2" charset="0"/>
-            </a:endParaRPr>
           </a:p>
         </p:txBody>
       </p:sp>
@@ -6217,13 +6306,6 @@
               </a:rPr>
               <a:t>HORAS TRABAJADAS</a:t>
             </a:r>
-            <a:endParaRPr lang="es-ES" dirty="0" smtClean="0">
-              <a:solidFill>
-                <a:schemeClr val="bg1"/>
-              </a:solidFill>
-              <a:latin typeface="Roboto" pitchFamily="2" charset="0"/>
-              <a:ea typeface="Roboto" pitchFamily="2" charset="0"/>
-            </a:endParaRPr>
           </a:p>
         </p:txBody>
       </p:sp>
@@ -6233,7 +6315,13 @@
           <p:cNvGraphicFramePr>
             <a:graphicFrameLocks noGrp="1"/>
           </p:cNvGraphicFramePr>
-          <p:nvPr/>
+          <p:nvPr>
+            <p:extLst>
+              <p:ext uri="{D42A27DB-BD31-4B8C-83A1-F6EECF244321}">
+                <p14:modId xmlns:p14="http://schemas.microsoft.com/office/powerpoint/2010/main" val="855636226"/>
+              </p:ext>
+            </p:extLst>
+          </p:nvPr>
         </p:nvGraphicFramePr>
         <p:xfrm>
           <a:off x="539549" y="2852936"/>
@@ -8035,12 +8123,23 @@
                     <a:p>
                       <a:pPr algn="ctr"/>
                       <a:r>
-                        <a:rPr lang="es-ES" sz="1600">
+                        <a:rPr lang="es-ES" sz="1600" dirty="0">
                           <a:latin typeface="Roboto" pitchFamily="2" charset="0"/>
                           <a:ea typeface="Roboto" pitchFamily="2" charset="0"/>
                         </a:rPr>
-                        <a:t>27,5</a:t>
+                        <a:t>2</a:t>
                       </a:r>
+                      <a:r>
+                        <a:rPr lang="es-ES" sz="1600" dirty="0" smtClean="0">
+                          <a:latin typeface="Roboto" pitchFamily="2" charset="0"/>
+                          <a:ea typeface="Roboto" pitchFamily="2" charset="0"/>
+                        </a:rPr>
+                        <a:t>7,5</a:t>
+                      </a:r>
+                      <a:endParaRPr lang="es-ES" sz="1600" dirty="0">
+                        <a:latin typeface="Roboto" pitchFamily="2" charset="0"/>
+                        <a:ea typeface="Roboto" pitchFamily="2" charset="0"/>
+                      </a:endParaRPr>
                     </a:p>
                   </a:txBody>
                   <a:tcPr marL="7349" marR="7349" marT="3675" marB="3675" anchor="ctr">
@@ -8939,13 +9038,6 @@
               </a:rPr>
               <a:t>VISTA DE MÓDULOS</a:t>
             </a:r>
-            <a:endParaRPr lang="es-ES" dirty="0" smtClean="0">
-              <a:solidFill>
-                <a:schemeClr val="bg1"/>
-              </a:solidFill>
-              <a:latin typeface="Roboto" pitchFamily="2" charset="0"/>
-              <a:ea typeface="Roboto" pitchFamily="2" charset="0"/>
-            </a:endParaRPr>
           </a:p>
         </p:txBody>
       </p:sp>
@@ -8959,7 +9051,7 @@
           <a:blip r:embed="rId4" cstate="print">
             <a:extLst>
               <a:ext uri="{28A0092B-C50C-407E-A947-70E740481C1C}">
-                <a14:useLocalDpi xmlns="" xmlns:wpc="http://schemas.microsoft.com/office/word/2010/wordprocessingCanvas" xmlns:cx="http://schemas.microsoft.com/office/drawing/2014/chartex" xmlns:cx1="http://schemas.microsoft.com/office/drawing/2015/9/8/chartex" xmlns:cx2="http://schemas.microsoft.com/office/drawing/2015/10/21/chartex" xmlns:mc="http://schemas.openxmlformats.org/markup-compatibility/2006" xmlns:o="urn:schemas-microsoft-com:office:office" xmlns:m="http://schemas.openxmlformats.org/officeDocument/2006/math" xmlns:v="urn:schemas-microsoft-com:vml" xmlns:wp14="http://schemas.microsoft.com/office/word/2010/wordprocessingDrawing" xmlns:wp="http://schemas.openxmlformats.org/drawingml/2006/wordprocessingDrawing" xmlns:w10="urn:schemas-microsoft-com:office:word" xmlns:w="http://schemas.openxmlformats.org/wordprocessingml/2006/main" xmlns:w14="http://schemas.microsoft.com/office/word/2010/wordml" xmlns:w15="http://schemas.microsoft.com/office/word/2012/wordml" xmlns:w16se="http://schemas.microsoft.com/office/word/2015/wordml/symex" xmlns:wpg="http://schemas.microsoft.com/office/word/2010/wordprocessingGroup" xmlns:wpi="http://schemas.microsoft.com/office/word/2010/wordprocessingInk" xmlns:wne="http://schemas.microsoft.com/office/word/2006/wordml" xmlns:wps="http://schemas.microsoft.com/office/word/2010/wordprocessingShape" xmlns:a14="http://schemas.microsoft.com/office/drawing/2010/main" xmlns:pic="http://schemas.openxmlformats.org/drawingml/2006/picture" xmlns:lc="http://schemas.openxmlformats.org/drawingml/2006/lockedCanvas" val="0"/>
+                <a14:useLocalDpi xmlns:a14="http://schemas.microsoft.com/office/drawing/2010/main" val="0"/>
               </a:ext>
             </a:extLst>
           </a:blip>
@@ -8969,8 +9061,8 @@
         </p:blipFill>
         <p:spPr>
           <a:xfrm>
-            <a:off x="2195736" y="2060848"/>
-            <a:ext cx="3449838" cy="2232248"/>
+            <a:off x="1842242" y="1772816"/>
+            <a:ext cx="3672408" cy="2376264"/>
           </a:xfrm>
           <a:prstGeom prst="rect">
             <a:avLst/>
@@ -8987,7 +9079,7 @@
           <a:blip r:embed="rId5" cstate="print">
             <a:extLst>
               <a:ext uri="{28A0092B-C50C-407E-A947-70E740481C1C}">
-                <a14:useLocalDpi xmlns="" xmlns:wpc="http://schemas.microsoft.com/office/word/2010/wordprocessingCanvas" xmlns:cx="http://schemas.microsoft.com/office/drawing/2014/chartex" xmlns:cx1="http://schemas.microsoft.com/office/drawing/2015/9/8/chartex" xmlns:cx2="http://schemas.microsoft.com/office/drawing/2015/10/21/chartex" xmlns:mc="http://schemas.openxmlformats.org/markup-compatibility/2006" xmlns:o="urn:schemas-microsoft-com:office:office" xmlns:m="http://schemas.openxmlformats.org/officeDocument/2006/math" xmlns:v="urn:schemas-microsoft-com:vml" xmlns:wp14="http://schemas.microsoft.com/office/word/2010/wordprocessingDrawing" xmlns:wp="http://schemas.openxmlformats.org/drawingml/2006/wordprocessingDrawing" xmlns:w10="urn:schemas-microsoft-com:office:word" xmlns:w="http://schemas.openxmlformats.org/wordprocessingml/2006/main" xmlns:w14="http://schemas.microsoft.com/office/word/2010/wordml" xmlns:w15="http://schemas.microsoft.com/office/word/2012/wordml" xmlns:w16se="http://schemas.microsoft.com/office/word/2015/wordml/symex" xmlns:wpg="http://schemas.microsoft.com/office/word/2010/wordprocessingGroup" xmlns:wpi="http://schemas.microsoft.com/office/word/2010/wordprocessingInk" xmlns:wne="http://schemas.microsoft.com/office/word/2006/wordml" xmlns:wps="http://schemas.microsoft.com/office/word/2010/wordprocessingShape" xmlns:a14="http://schemas.microsoft.com/office/drawing/2010/main" xmlns:pic="http://schemas.openxmlformats.org/drawingml/2006/picture" xmlns:lc="http://schemas.openxmlformats.org/drawingml/2006/lockedCanvas" val="0"/>
+                <a14:useLocalDpi xmlns:a14="http://schemas.microsoft.com/office/drawing/2010/main" val="0"/>
               </a:ext>
             </a:extLst>
           </a:blip>
@@ -8997,8 +9089,8 @@
         </p:blipFill>
         <p:spPr>
           <a:xfrm>
-            <a:off x="5652120" y="4077072"/>
-            <a:ext cx="2883024" cy="2334766"/>
+            <a:off x="5292080" y="3828763"/>
+            <a:ext cx="3740574" cy="3029238"/>
           </a:xfrm>
           <a:prstGeom prst="rect">
             <a:avLst/>
@@ -9061,7 +9153,7 @@
           <a:blip r:embed="rId4" cstate="print">
             <a:extLst>
               <a:ext uri="{28A0092B-C50C-407E-A947-70E740481C1C}">
-                <a14:useLocalDpi xmlns="" xmlns:wpc="http://schemas.microsoft.com/office/word/2010/wordprocessingCanvas" xmlns:cx="http://schemas.microsoft.com/office/drawing/2014/chartex" xmlns:cx1="http://schemas.microsoft.com/office/drawing/2015/9/8/chartex" xmlns:cx2="http://schemas.microsoft.com/office/drawing/2015/10/21/chartex" xmlns:mc="http://schemas.openxmlformats.org/markup-compatibility/2006" xmlns:o="urn:schemas-microsoft-com:office:office" xmlns:m="http://schemas.openxmlformats.org/officeDocument/2006/math" xmlns:v="urn:schemas-microsoft-com:vml" xmlns:wp14="http://schemas.microsoft.com/office/word/2010/wordprocessingDrawing" xmlns:wp="http://schemas.openxmlformats.org/drawingml/2006/wordprocessingDrawing" xmlns:w10="urn:schemas-microsoft-com:office:word" xmlns:w="http://schemas.openxmlformats.org/wordprocessingml/2006/main" xmlns:w14="http://schemas.microsoft.com/office/word/2010/wordml" xmlns:w15="http://schemas.microsoft.com/office/word/2012/wordml" xmlns:w16se="http://schemas.microsoft.com/office/word/2015/wordml/symex" xmlns:wpg="http://schemas.microsoft.com/office/word/2010/wordprocessingGroup" xmlns:wpi="http://schemas.microsoft.com/office/word/2010/wordprocessingInk" xmlns:wne="http://schemas.microsoft.com/office/word/2006/wordml" xmlns:wps="http://schemas.microsoft.com/office/word/2010/wordprocessingShape" xmlns:a14="http://schemas.microsoft.com/office/drawing/2010/main" xmlns:pic="http://schemas.openxmlformats.org/drawingml/2006/picture" xmlns:lc="http://schemas.openxmlformats.org/drawingml/2006/lockedCanvas" val="0"/>
+                <a14:useLocalDpi xmlns:a14="http://schemas.microsoft.com/office/drawing/2010/main" val="0"/>
               </a:ext>
             </a:extLst>
           </a:blip>
@@ -9146,13 +9238,6 @@
               </a:rPr>
               <a:t>VISTA DE MÓDULOS</a:t>
             </a:r>
-            <a:endParaRPr lang="es-ES" dirty="0" smtClean="0">
-              <a:solidFill>
-                <a:schemeClr val="bg1"/>
-              </a:solidFill>
-              <a:latin typeface="Roboto" pitchFamily="2" charset="0"/>
-              <a:ea typeface="Roboto" pitchFamily="2" charset="0"/>
-            </a:endParaRPr>
           </a:p>
         </p:txBody>
       </p:sp>
